--- a/barista.pptx
+++ b/barista.pptx
@@ -259,7 +259,7 @@
           <a:p>
             <a:fld id="{C2095E5D-9BB0-488B-9516-44548C3DCEF0}" type="datetimeFigureOut">
               <a:rPr lang="en-US" smtClean="0"/>
-              <a:t>11/5/2020</a:t>
+              <a:t>11/6/2020</a:t>
             </a:fld>
             <a:endParaRPr lang="en-US"/>
           </a:p>
@@ -457,7 +457,7 @@
           <a:p>
             <a:fld id="{C2095E5D-9BB0-488B-9516-44548C3DCEF0}" type="datetimeFigureOut">
               <a:rPr lang="en-US" smtClean="0"/>
-              <a:t>11/5/2020</a:t>
+              <a:t>11/6/2020</a:t>
             </a:fld>
             <a:endParaRPr lang="en-US"/>
           </a:p>
@@ -665,7 +665,7 @@
           <a:p>
             <a:fld id="{C2095E5D-9BB0-488B-9516-44548C3DCEF0}" type="datetimeFigureOut">
               <a:rPr lang="en-US" smtClean="0"/>
-              <a:t>11/5/2020</a:t>
+              <a:t>11/6/2020</a:t>
             </a:fld>
             <a:endParaRPr lang="en-US"/>
           </a:p>
@@ -863,7 +863,7 @@
           <a:p>
             <a:fld id="{C2095E5D-9BB0-488B-9516-44548C3DCEF0}" type="datetimeFigureOut">
               <a:rPr lang="en-US" smtClean="0"/>
-              <a:t>11/5/2020</a:t>
+              <a:t>11/6/2020</a:t>
             </a:fld>
             <a:endParaRPr lang="en-US"/>
           </a:p>
@@ -1138,7 +1138,7 @@
           <a:p>
             <a:fld id="{C2095E5D-9BB0-488B-9516-44548C3DCEF0}" type="datetimeFigureOut">
               <a:rPr lang="en-US" smtClean="0"/>
-              <a:t>11/5/2020</a:t>
+              <a:t>11/6/2020</a:t>
             </a:fld>
             <a:endParaRPr lang="en-US"/>
           </a:p>
@@ -1403,7 +1403,7 @@
           <a:p>
             <a:fld id="{C2095E5D-9BB0-488B-9516-44548C3DCEF0}" type="datetimeFigureOut">
               <a:rPr lang="en-US" smtClean="0"/>
-              <a:t>11/5/2020</a:t>
+              <a:t>11/6/2020</a:t>
             </a:fld>
             <a:endParaRPr lang="en-US"/>
           </a:p>
@@ -1815,7 +1815,7 @@
           <a:p>
             <a:fld id="{C2095E5D-9BB0-488B-9516-44548C3DCEF0}" type="datetimeFigureOut">
               <a:rPr lang="en-US" smtClean="0"/>
-              <a:t>11/5/2020</a:t>
+              <a:t>11/6/2020</a:t>
             </a:fld>
             <a:endParaRPr lang="en-US"/>
           </a:p>
@@ -1956,7 +1956,7 @@
           <a:p>
             <a:fld id="{C2095E5D-9BB0-488B-9516-44548C3DCEF0}" type="datetimeFigureOut">
               <a:rPr lang="en-US" smtClean="0"/>
-              <a:t>11/5/2020</a:t>
+              <a:t>11/6/2020</a:t>
             </a:fld>
             <a:endParaRPr lang="en-US"/>
           </a:p>
@@ -2069,7 +2069,7 @@
           <a:p>
             <a:fld id="{C2095E5D-9BB0-488B-9516-44548C3DCEF0}" type="datetimeFigureOut">
               <a:rPr lang="en-US" smtClean="0"/>
-              <a:t>11/5/2020</a:t>
+              <a:t>11/6/2020</a:t>
             </a:fld>
             <a:endParaRPr lang="en-US"/>
           </a:p>
@@ -2380,7 +2380,7 @@
           <a:p>
             <a:fld id="{C2095E5D-9BB0-488B-9516-44548C3DCEF0}" type="datetimeFigureOut">
               <a:rPr lang="en-US" smtClean="0"/>
-              <a:t>11/5/2020</a:t>
+              <a:t>11/6/2020</a:t>
             </a:fld>
             <a:endParaRPr lang="en-US"/>
           </a:p>
@@ -2668,7 +2668,7 @@
           <a:p>
             <a:fld id="{C2095E5D-9BB0-488B-9516-44548C3DCEF0}" type="datetimeFigureOut">
               <a:rPr lang="en-US" smtClean="0"/>
-              <a:t>11/5/2020</a:t>
+              <a:t>11/6/2020</a:t>
             </a:fld>
             <a:endParaRPr lang="en-US"/>
           </a:p>
@@ -2909,7 +2909,7 @@
           <a:p>
             <a:fld id="{C2095E5D-9BB0-488B-9516-44548C3DCEF0}" type="datetimeFigureOut">
               <a:rPr lang="en-US" smtClean="0"/>
-              <a:t>11/5/2020</a:t>
+              <a:t>11/6/2020</a:t>
             </a:fld>
             <a:endParaRPr lang="en-US"/>
           </a:p>
@@ -3370,7 +3370,7 @@
             <a:pPr algn="ctr"/>
             <a:r>
               <a:rPr lang="nl-NL" dirty="0"/>
-              <a:t>Order resource</a:t>
+              <a:t>Order Counter resource</a:t>
             </a:r>
             <a:endParaRPr lang="en-US" dirty="0"/>
           </a:p>
@@ -3521,6 +3521,13 @@
             <a:r>
               <a:rPr lang="nl-NL" dirty="0"/>
               <a:t>Delivery counter</a:t>
+            </a:r>
+          </a:p>
+          <a:p>
+            <a:pPr algn="ctr"/>
+            <a:r>
+              <a:rPr lang="nl-NL" dirty="0"/>
+              <a:t>Resource</a:t>
             </a:r>
           </a:p>
           <a:p>
